--- a/week 03/Week 03_Agenda.pptx
+++ b/week 03/Week 03_Agenda.pptx
@@ -5372,10 +5372,9 @@
               <a:buAutoNum type="arabicPeriod"/>
             </a:pPr>
             <a:r>
-              <a:rPr lang="en-IN" sz="1800" dirty="0" err="1"/>
-              <a:t>Preprocessing</a:t>
+              <a:rPr lang="en-IN" sz="1800" dirty="0"/>
+              <a:t>Pre-processing</a:t>
             </a:r>
-            <a:endParaRPr lang="en-IN" sz="1800" dirty="0"/>
           </a:p>
           <a:p>
             <a:pPr marL="342900" lvl="0" indent="-342900" rtl="0">
@@ -5393,10 +5392,9 @@
               <a:buAutoNum type="arabicPeriod"/>
             </a:pPr>
             <a:r>
-              <a:rPr lang="en-IN" sz="1800"/>
-              <a:t>Feature Engineering</a:t>
+              <a:rPr lang="en-IN" sz="1800" dirty="0"/>
+              <a:t>Polynomial Regression</a:t>
             </a:r>
-            <a:endParaRPr lang="en-IN" sz="1800" dirty="0"/>
           </a:p>
           <a:p>
             <a:pPr marL="342900" lvl="0" indent="-342900" rtl="0">
